--- a/Документы/Презентация.pptx
+++ b/Документы/Презентация.pptx
@@ -5,7 +5,7 @@
     <p:sldMasterId id="2147483648" r:id="rId1"/>
   </p:sldMasterIdLst>
   <p:notesMasterIdLst>
-    <p:notesMasterId r:id="rId12"/>
+    <p:notesMasterId r:id="rId13"/>
   </p:notesMasterIdLst>
   <p:sldIdLst>
     <p:sldId id="256" r:id="rId2"/>
@@ -17,7 +17,8 @@
     <p:sldId id="280" r:id="rId8"/>
     <p:sldId id="281" r:id="rId9"/>
     <p:sldId id="262" r:id="rId10"/>
-    <p:sldId id="275" r:id="rId11"/>
+    <p:sldId id="282" r:id="rId11"/>
+    <p:sldId id="275" r:id="rId12"/>
   </p:sldIdLst>
   <p:sldSz cx="9144000" cy="6858000" type="screen4x3"/>
   <p:notesSz cx="6858000" cy="9144000"/>
@@ -202,7 +203,7 @@
             <a:fld id="{5ECBAAF8-0921-467B-A50D-F0EF6D5F1156}" type="datetimeFigureOut">
               <a:rPr lang="ru-RU" smtClean="0"/>
               <a:pPr/>
-              <a:t>20.01.2016</a:t>
+              <a:t>22.01.2016</a:t>
             </a:fld>
             <a:endParaRPr lang="ru-RU"/>
           </a:p>
@@ -737,7 +738,7 @@
             <a:fld id="{30D5D2DE-8DE0-4DB3-883D-38EF1F476F8F}" type="datetimeFigureOut">
               <a:rPr lang="ru-RU" smtClean="0"/>
               <a:pPr/>
-              <a:t>20.01.2016</a:t>
+              <a:t>22.01.2016</a:t>
             </a:fld>
             <a:endParaRPr lang="ru-RU"/>
           </a:p>
@@ -904,7 +905,7 @@
             <a:fld id="{30D5D2DE-8DE0-4DB3-883D-38EF1F476F8F}" type="datetimeFigureOut">
               <a:rPr lang="ru-RU" smtClean="0"/>
               <a:pPr/>
-              <a:t>20.01.2016</a:t>
+              <a:t>22.01.2016</a:t>
             </a:fld>
             <a:endParaRPr lang="ru-RU"/>
           </a:p>
@@ -1081,7 +1082,7 @@
             <a:fld id="{30D5D2DE-8DE0-4DB3-883D-38EF1F476F8F}" type="datetimeFigureOut">
               <a:rPr lang="ru-RU" smtClean="0"/>
               <a:pPr/>
-              <a:t>20.01.2016</a:t>
+              <a:t>22.01.2016</a:t>
             </a:fld>
             <a:endParaRPr lang="ru-RU"/>
           </a:p>
@@ -1248,7 +1249,7 @@
             <a:fld id="{30D5D2DE-8DE0-4DB3-883D-38EF1F476F8F}" type="datetimeFigureOut">
               <a:rPr lang="ru-RU" smtClean="0"/>
               <a:pPr/>
-              <a:t>20.01.2016</a:t>
+              <a:t>22.01.2016</a:t>
             </a:fld>
             <a:endParaRPr lang="ru-RU"/>
           </a:p>
@@ -1491,7 +1492,7 @@
             <a:fld id="{30D5D2DE-8DE0-4DB3-883D-38EF1F476F8F}" type="datetimeFigureOut">
               <a:rPr lang="ru-RU" smtClean="0"/>
               <a:pPr/>
-              <a:t>20.01.2016</a:t>
+              <a:t>22.01.2016</a:t>
             </a:fld>
             <a:endParaRPr lang="ru-RU"/>
           </a:p>
@@ -1776,7 +1777,7 @@
             <a:fld id="{30D5D2DE-8DE0-4DB3-883D-38EF1F476F8F}" type="datetimeFigureOut">
               <a:rPr lang="ru-RU" smtClean="0"/>
               <a:pPr/>
-              <a:t>20.01.2016</a:t>
+              <a:t>22.01.2016</a:t>
             </a:fld>
             <a:endParaRPr lang="ru-RU"/>
           </a:p>
@@ -2195,7 +2196,7 @@
             <a:fld id="{30D5D2DE-8DE0-4DB3-883D-38EF1F476F8F}" type="datetimeFigureOut">
               <a:rPr lang="ru-RU" smtClean="0"/>
               <a:pPr/>
-              <a:t>20.01.2016</a:t>
+              <a:t>22.01.2016</a:t>
             </a:fld>
             <a:endParaRPr lang="ru-RU"/>
           </a:p>
@@ -2310,7 +2311,7 @@
             <a:fld id="{30D5D2DE-8DE0-4DB3-883D-38EF1F476F8F}" type="datetimeFigureOut">
               <a:rPr lang="ru-RU" smtClean="0"/>
               <a:pPr/>
-              <a:t>20.01.2016</a:t>
+              <a:t>22.01.2016</a:t>
             </a:fld>
             <a:endParaRPr lang="ru-RU"/>
           </a:p>
@@ -2402,7 +2403,7 @@
             <a:fld id="{30D5D2DE-8DE0-4DB3-883D-38EF1F476F8F}" type="datetimeFigureOut">
               <a:rPr lang="ru-RU" smtClean="0"/>
               <a:pPr/>
-              <a:t>20.01.2016</a:t>
+              <a:t>22.01.2016</a:t>
             </a:fld>
             <a:endParaRPr lang="ru-RU"/>
           </a:p>
@@ -2676,7 +2677,7 @@
             <a:fld id="{30D5D2DE-8DE0-4DB3-883D-38EF1F476F8F}" type="datetimeFigureOut">
               <a:rPr lang="ru-RU" smtClean="0"/>
               <a:pPr/>
-              <a:t>20.01.2016</a:t>
+              <a:t>22.01.2016</a:t>
             </a:fld>
             <a:endParaRPr lang="ru-RU"/>
           </a:p>
@@ -2926,7 +2927,7 @@
             <a:fld id="{30D5D2DE-8DE0-4DB3-883D-38EF1F476F8F}" type="datetimeFigureOut">
               <a:rPr lang="ru-RU" smtClean="0"/>
               <a:pPr/>
-              <a:t>20.01.2016</a:t>
+              <a:t>22.01.2016</a:t>
             </a:fld>
             <a:endParaRPr lang="ru-RU"/>
           </a:p>
@@ -3136,7 +3137,7 @@
             <a:fld id="{30D5D2DE-8DE0-4DB3-883D-38EF1F476F8F}" type="datetimeFigureOut">
               <a:rPr lang="ru-RU" smtClean="0"/>
               <a:pPr/>
-              <a:t>20.01.2016</a:t>
+              <a:t>22.01.2016</a:t>
             </a:fld>
             <a:endParaRPr lang="ru-RU"/>
           </a:p>
@@ -3584,17 +3585,7 @@
                 <a:latin typeface="Arial" pitchFamily="34" charset="0"/>
                 <a:cs typeface="Arial" pitchFamily="34" charset="0"/>
               </a:rPr>
-              <a:t>Студент</a:t>
-            </a:r>
-            <a:r>
-              <a:rPr lang="ru-RU" sz="2600" dirty="0" smtClean="0">
-                <a:solidFill>
-                  <a:schemeClr val="tx1"/>
-                </a:solidFill>
-                <a:latin typeface="Arial" pitchFamily="34" charset="0"/>
-                <a:cs typeface="Arial" pitchFamily="34" charset="0"/>
-              </a:rPr>
-              <a:t>: </a:t>
+              <a:t>Студент: </a:t>
             </a:r>
             <a:r>
               <a:rPr lang="ru-RU" sz="2600" dirty="0" err="1" smtClean="0">
@@ -3627,25 +3618,8 @@
                 <a:latin typeface="Arial" pitchFamily="34" charset="0"/>
                 <a:cs typeface="Arial" pitchFamily="34" charset="0"/>
               </a:rPr>
-              <a:t>Группа: </a:t>
-            </a:r>
-            <a:r>
-              <a:rPr lang="ru-RU" sz="2600" dirty="0" smtClean="0">
-                <a:solidFill>
-                  <a:schemeClr val="tx1"/>
-                </a:solidFill>
-                <a:latin typeface="Arial" pitchFamily="34" charset="0"/>
-                <a:cs typeface="Arial" pitchFamily="34" charset="0"/>
-              </a:rPr>
-              <a:t>ПИмд-11</a:t>
-            </a:r>
-            <a:endParaRPr lang="ru-RU" sz="2600" dirty="0" smtClean="0">
-              <a:solidFill>
-                <a:schemeClr val="tx1"/>
-              </a:solidFill>
-              <a:latin typeface="Arial" pitchFamily="34" charset="0"/>
-              <a:cs typeface="Arial" pitchFamily="34" charset="0"/>
-            </a:endParaRPr>
+              <a:t>Группа: ПИмд-11</a:t>
+            </a:r>
           </a:p>
           <a:p>
             <a:pPr algn="r"/>
@@ -3785,6 +3759,320 @@
       </p:sp>
       <p:sp>
         <p:nvSpPr>
+          <p:cNvPr id="7" name="Заголовок 1"/>
+          <p:cNvSpPr txBox="1">
+            <a:spLocks/>
+          </p:cNvSpPr>
+          <p:nvPr/>
+        </p:nvSpPr>
+        <p:spPr>
+          <a:xfrm>
+            <a:off x="457200" y="116632"/>
+            <a:ext cx="8229600" cy="648072"/>
+          </a:xfrm>
+          <a:prstGeom prst="rect">
+            <a:avLst/>
+          </a:prstGeom>
+        </p:spPr>
+        <p:txBody>
+          <a:bodyPr vert="horz" lIns="91440" tIns="45720" rIns="91440" bIns="45720" rtlCol="0" anchor="ctr">
+            <a:normAutofit fontScale="85000" lnSpcReduction="10000"/>
+          </a:bodyPr>
+          <a:lstStyle/>
+          <a:p>
+            <a:pPr lvl="0" algn="ctr">
+              <a:spcBef>
+                <a:spcPct val="0"/>
+              </a:spcBef>
+            </a:pPr>
+            <a:r>
+              <a:rPr lang="en-US" sz="3200" dirty="0" smtClean="0"/>
+              <a:t>AI</a:t>
+            </a:r>
+            <a:r>
+              <a:rPr lang="ru-RU" sz="3200" dirty="0" smtClean="0"/>
+              <a:t>-модель сбора информации об окружающем мире</a:t>
+            </a:r>
+            <a:endParaRPr kumimoji="0" lang="ru-RU" sz="3200" b="0" i="0" u="none" strike="noStrike" kern="1200" cap="none" spc="0" normalizeH="0" baseline="0" noProof="0" dirty="0" smtClean="0">
+              <a:ln>
+                <a:noFill/>
+              </a:ln>
+              <a:solidFill>
+                <a:schemeClr val="tx1"/>
+              </a:solidFill>
+              <a:effectLst/>
+              <a:uLnTx/>
+              <a:uFillTx/>
+              <a:latin typeface="+mj-lt"/>
+              <a:ea typeface="+mj-ea"/>
+              <a:cs typeface="+mj-cs"/>
+            </a:endParaRPr>
+          </a:p>
+        </p:txBody>
+      </p:sp>
+      <p:sp>
+        <p:nvSpPr>
+          <p:cNvPr id="8" name="Овал 7"/>
+          <p:cNvSpPr/>
+          <p:nvPr/>
+        </p:nvSpPr>
+        <p:spPr>
+          <a:xfrm>
+            <a:off x="323528" y="836712"/>
+            <a:ext cx="360040" cy="360040"/>
+          </a:xfrm>
+          <a:prstGeom prst="ellipse">
+            <a:avLst/>
+          </a:prstGeom>
+          <a:solidFill>
+            <a:schemeClr val="bg1"/>
+          </a:solidFill>
+        </p:spPr>
+        <p:style>
+          <a:lnRef idx="2">
+            <a:schemeClr val="accent1">
+              <a:shade val="50000"/>
+            </a:schemeClr>
+          </a:lnRef>
+          <a:fillRef idx="1">
+            <a:schemeClr val="accent1"/>
+          </a:fillRef>
+          <a:effectRef idx="0">
+            <a:schemeClr val="accent1"/>
+          </a:effectRef>
+          <a:fontRef idx="minor">
+            <a:schemeClr val="lt1"/>
+          </a:fontRef>
+        </p:style>
+        <p:txBody>
+          <a:bodyPr rtlCol="0" anchor="ctr"/>
+          <a:lstStyle/>
+          <a:p>
+            <a:pPr algn="ctr"/>
+            <a:r>
+              <a:rPr lang="ru-RU" b="1" dirty="0" smtClean="0">
+                <a:solidFill>
+                  <a:schemeClr val="tx1"/>
+                </a:solidFill>
+              </a:rPr>
+              <a:t>2</a:t>
+            </a:r>
+            <a:endParaRPr lang="ru-RU" b="1" dirty="0">
+              <a:solidFill>
+                <a:schemeClr val="tx1"/>
+              </a:solidFill>
+            </a:endParaRPr>
+          </a:p>
+        </p:txBody>
+      </p:sp>
+      <p:pic>
+        <p:nvPicPr>
+          <p:cNvPr id="2050" name="Picture 2"/>
+          <p:cNvPicPr>
+            <a:picLocks noChangeAspect="1" noChangeArrowheads="1"/>
+          </p:cNvPicPr>
+          <p:nvPr/>
+        </p:nvPicPr>
+        <p:blipFill>
+          <a:blip r:embed="rId2">
+            <a:extLst>
+              <a:ext uri="{28A0092B-C50C-407E-A947-70E740481C1C}">
+                <a14:useLocalDpi xmlns:a14="http://schemas.microsoft.com/office/drawing/2010/main" val="0"/>
+              </a:ext>
+            </a:extLst>
+          </a:blip>
+          <a:srcRect/>
+          <a:stretch>
+            <a:fillRect/>
+          </a:stretch>
+        </p:blipFill>
+        <p:spPr bwMode="auto">
+          <a:xfrm>
+            <a:off x="1043608" y="1472306"/>
+            <a:ext cx="7200800" cy="1884686"/>
+          </a:xfrm>
+          <a:prstGeom prst="rect">
+            <a:avLst/>
+          </a:prstGeom>
+          <a:noFill/>
+          <a:ln>
+            <a:noFill/>
+          </a:ln>
+          <a:effectLst/>
+          <a:extLst>
+            <a:ext uri="{909E8E84-426E-40DD-AFC4-6F175D3DCCD1}">
+              <a14:hiddenFill xmlns:a14="http://schemas.microsoft.com/office/drawing/2010/main">
+                <a:solidFill>
+                  <a:schemeClr val="accent1"/>
+                </a:solidFill>
+              </a14:hiddenFill>
+            </a:ext>
+            <a:ext uri="{91240B29-F687-4F45-9708-019B960494DF}">
+              <a14:hiddenLine xmlns:a14="http://schemas.microsoft.com/office/drawing/2010/main" w="9525">
+                <a:solidFill>
+                  <a:schemeClr val="tx1"/>
+                </a:solidFill>
+                <a:miter lim="800000"/>
+                <a:headEnd/>
+                <a:tailEnd/>
+              </a14:hiddenLine>
+            </a:ext>
+            <a:ext uri="{AF507438-7753-43E0-B8FC-AC1667EBCBE1}">
+              <a14:hiddenEffects xmlns:a14="http://schemas.microsoft.com/office/drawing/2010/main">
+                <a:effectLst>
+                  <a:outerShdw dist="35921" dir="2700000" algn="ctr" rotWithShape="0">
+                    <a:schemeClr val="bg2"/>
+                  </a:outerShdw>
+                </a:effectLst>
+              </a14:hiddenEffects>
+            </a:ext>
+          </a:extLst>
+        </p:spPr>
+      </p:pic>
+      <p:pic>
+        <p:nvPicPr>
+          <p:cNvPr id="2051" name="Picture 3"/>
+          <p:cNvPicPr>
+            <a:picLocks noChangeAspect="1" noChangeArrowheads="1"/>
+          </p:cNvPicPr>
+          <p:nvPr/>
+        </p:nvPicPr>
+        <p:blipFill>
+          <a:blip r:embed="rId3">
+            <a:extLst>
+              <a:ext uri="{28A0092B-C50C-407E-A947-70E740481C1C}">
+                <a14:useLocalDpi xmlns:a14="http://schemas.microsoft.com/office/drawing/2010/main" val="0"/>
+              </a:ext>
+            </a:extLst>
+          </a:blip>
+          <a:srcRect/>
+          <a:stretch>
+            <a:fillRect/>
+          </a:stretch>
+        </p:blipFill>
+        <p:spPr bwMode="auto">
+          <a:xfrm>
+            <a:off x="323528" y="2924944"/>
+            <a:ext cx="8660174" cy="3337498"/>
+          </a:xfrm>
+          <a:prstGeom prst="rect">
+            <a:avLst/>
+          </a:prstGeom>
+          <a:noFill/>
+          <a:ln>
+            <a:noFill/>
+          </a:ln>
+          <a:effectLst/>
+          <a:extLst>
+            <a:ext uri="{909E8E84-426E-40DD-AFC4-6F175D3DCCD1}">
+              <a14:hiddenFill xmlns:a14="http://schemas.microsoft.com/office/drawing/2010/main">
+                <a:solidFill>
+                  <a:schemeClr val="accent1"/>
+                </a:solidFill>
+              </a14:hiddenFill>
+            </a:ext>
+            <a:ext uri="{91240B29-F687-4F45-9708-019B960494DF}">
+              <a14:hiddenLine xmlns:a14="http://schemas.microsoft.com/office/drawing/2010/main" w="9525">
+                <a:solidFill>
+                  <a:schemeClr val="tx1"/>
+                </a:solidFill>
+                <a:miter lim="800000"/>
+                <a:headEnd/>
+                <a:tailEnd/>
+              </a14:hiddenLine>
+            </a:ext>
+            <a:ext uri="{AF507438-7753-43E0-B8FC-AC1667EBCBE1}">
+              <a14:hiddenEffects xmlns:a14="http://schemas.microsoft.com/office/drawing/2010/main">
+                <a:effectLst>
+                  <a:outerShdw dist="35921" dir="2700000" algn="ctr" rotWithShape="0">
+                    <a:schemeClr val="bg2"/>
+                  </a:outerShdw>
+                </a:effectLst>
+              </a14:hiddenEffects>
+            </a:ext>
+          </a:extLst>
+        </p:spPr>
+      </p:pic>
+    </p:spTree>
+    <p:extLst>
+      <p:ext uri="{BB962C8B-B14F-4D97-AF65-F5344CB8AC3E}">
+        <p14:creationId xmlns:p14="http://schemas.microsoft.com/office/powerpoint/2010/main" val="3928274004"/>
+      </p:ext>
+    </p:extLst>
+  </p:cSld>
+  <p:clrMapOvr>
+    <a:masterClrMapping/>
+  </p:clrMapOvr>
+  <p:timing>
+    <p:tnLst>
+      <p:par>
+        <p:cTn id="1" dur="indefinite" restart="never" nodeType="tmRoot"/>
+      </p:par>
+    </p:tnLst>
+  </p:timing>
+</p:sld>
+</file>
+
+<file path=ppt/slides/slide11.xml><?xml version="1.0" encoding="utf-8"?>
+<p:sld xmlns:a="http://schemas.openxmlformats.org/drawingml/2006/main" xmlns:r="http://schemas.openxmlformats.org/officeDocument/2006/relationships" xmlns:p="http://schemas.openxmlformats.org/presentationml/2006/main">
+  <p:cSld>
+    <p:spTree>
+      <p:nvGrpSpPr>
+        <p:cNvPr id="1" name=""/>
+        <p:cNvGrpSpPr/>
+        <p:nvPr/>
+      </p:nvGrpSpPr>
+      <p:grpSpPr>
+        <a:xfrm>
+          <a:off x="0" y="0"/>
+          <a:ext cx="0" cy="0"/>
+          <a:chOff x="0" y="0"/>
+          <a:chExt cx="0" cy="0"/>
+        </a:xfrm>
+      </p:grpSpPr>
+      <p:sp>
+        <p:nvSpPr>
+          <p:cNvPr id="4" name="Прямоугольник 3"/>
+          <p:cNvSpPr/>
+          <p:nvPr/>
+        </p:nvSpPr>
+        <p:spPr>
+          <a:xfrm>
+            <a:off x="107504" y="116632"/>
+            <a:ext cx="8928992" cy="6552728"/>
+          </a:xfrm>
+          <a:prstGeom prst="rect">
+            <a:avLst/>
+          </a:prstGeom>
+          <a:noFill/>
+        </p:spPr>
+        <p:style>
+          <a:lnRef idx="2">
+            <a:schemeClr val="accent1">
+              <a:shade val="50000"/>
+            </a:schemeClr>
+          </a:lnRef>
+          <a:fillRef idx="1">
+            <a:schemeClr val="accent1"/>
+          </a:fillRef>
+          <a:effectRef idx="0">
+            <a:schemeClr val="accent1"/>
+          </a:effectRef>
+          <a:fontRef idx="minor">
+            <a:schemeClr val="lt1"/>
+          </a:fontRef>
+        </p:style>
+        <p:txBody>
+          <a:bodyPr rtlCol="0" anchor="ctr"/>
+          <a:lstStyle/>
+          <a:p>
+            <a:pPr algn="ctr"/>
+            <a:endParaRPr lang="ru-RU" dirty="0"/>
+          </a:p>
+        </p:txBody>
+      </p:sp>
+      <p:sp>
+        <p:nvSpPr>
           <p:cNvPr id="5" name="Заголовок 1"/>
           <p:cNvSpPr txBox="1">
             <a:spLocks/>
@@ -3965,14 +4253,21 @@
                 <a:latin typeface="Arial" pitchFamily="34" charset="0"/>
                 <a:cs typeface="Arial" pitchFamily="34" charset="0"/>
               </a:rPr>
-              <a:t>Цель:</a:t>
+              <a:t>Задача:</a:t>
             </a:r>
             <a:r>
               <a:rPr lang="ru-RU" sz="1600" dirty="0" smtClean="0">
                 <a:latin typeface="Arial" pitchFamily="34" charset="0"/>
                 <a:cs typeface="Arial" pitchFamily="34" charset="0"/>
               </a:rPr>
-              <a:t> разделить массив слов (словосочетаний) на категории «является термином» и «не является термином»</a:t>
+              <a:t> </a:t>
+            </a:r>
+            <a:r>
+              <a:rPr lang="ru-RU" sz="1600" dirty="0" smtClean="0">
+                <a:latin typeface="Arial" pitchFamily="34" charset="0"/>
+                <a:cs typeface="Arial" pitchFamily="34" charset="0"/>
+              </a:rPr>
+              <a:t>разделить массив слов (словосочетаний) на категории «является термином» и «не является термином»</a:t>
             </a:r>
             <a:endParaRPr lang="ru-RU" sz="1600" dirty="0">
               <a:latin typeface="Arial" pitchFamily="34" charset="0"/>
@@ -5403,7 +5698,7 @@
           <a:p>
             <a:r>
               <a:rPr lang="ru-RU" sz="3200" dirty="0" smtClean="0"/>
-              <a:t>Результаты 1. Слова</a:t>
+              <a:t>Слова</a:t>
             </a:r>
             <a:endParaRPr lang="ru-RU" sz="3200" dirty="0"/>
           </a:p>
@@ -5526,6 +5821,61 @@
           </a:p>
         </p:txBody>
       </p:sp>
+      <p:sp>
+        <p:nvSpPr>
+          <p:cNvPr id="7" name="Овал 6"/>
+          <p:cNvSpPr/>
+          <p:nvPr/>
+        </p:nvSpPr>
+        <p:spPr>
+          <a:xfrm>
+            <a:off x="395536" y="836712"/>
+            <a:ext cx="360040" cy="360040"/>
+          </a:xfrm>
+          <a:prstGeom prst="ellipse">
+            <a:avLst/>
+          </a:prstGeom>
+          <a:solidFill>
+            <a:schemeClr val="bg1"/>
+          </a:solidFill>
+        </p:spPr>
+        <p:style>
+          <a:lnRef idx="2">
+            <a:schemeClr val="accent1">
+              <a:shade val="50000"/>
+            </a:schemeClr>
+          </a:lnRef>
+          <a:fillRef idx="1">
+            <a:schemeClr val="accent1"/>
+          </a:fillRef>
+          <a:effectRef idx="0">
+            <a:schemeClr val="accent1"/>
+          </a:effectRef>
+          <a:fontRef idx="minor">
+            <a:schemeClr val="lt1"/>
+          </a:fontRef>
+        </p:style>
+        <p:txBody>
+          <a:bodyPr rtlCol="0" anchor="ctr"/>
+          <a:lstStyle/>
+          <a:p>
+            <a:pPr algn="ctr"/>
+            <a:r>
+              <a:rPr lang="en-US" b="1" dirty="0" smtClean="0">
+                <a:solidFill>
+                  <a:schemeClr val="tx1"/>
+                </a:solidFill>
+              </a:rPr>
+              <a:t>1</a:t>
+            </a:r>
+            <a:endParaRPr lang="ru-RU" b="1" dirty="0">
+              <a:solidFill>
+                <a:schemeClr val="tx1"/>
+              </a:solidFill>
+            </a:endParaRPr>
+          </a:p>
+        </p:txBody>
+      </p:sp>
     </p:spTree>
   </p:cSld>
   <p:clrMapOvr>
@@ -5623,7 +5973,7 @@
           <a:p>
             <a:r>
               <a:rPr lang="ru-RU" sz="3200" dirty="0" smtClean="0"/>
-              <a:t>Результаты 2. Словосочетания</a:t>
+              <a:t>Словосочетания</a:t>
             </a:r>
             <a:endParaRPr lang="ru-RU" sz="3200" dirty="0"/>
           </a:p>
@@ -5723,11 +6073,7 @@
             <a:pPr fontAlgn="base"/>
             <a:r>
               <a:rPr lang="ru-RU" dirty="0"/>
-              <a:t>1. </a:t>
-            </a:r>
-            <a:r>
-              <a:rPr lang="ru-RU" dirty="0"/>
-              <a:t>передача данных</a:t>
+              <a:t>1. передача данных</a:t>
             </a:r>
           </a:p>
           <a:p>
@@ -5762,6 +6108,61 @@
               <a:rPr lang="ru-RU" dirty="0"/>
               <a:t>данных</a:t>
             </a:r>
+          </a:p>
+        </p:txBody>
+      </p:sp>
+      <p:sp>
+        <p:nvSpPr>
+          <p:cNvPr id="7" name="Овал 6"/>
+          <p:cNvSpPr/>
+          <p:nvPr/>
+        </p:nvSpPr>
+        <p:spPr>
+          <a:xfrm>
+            <a:off x="395536" y="836712"/>
+            <a:ext cx="360040" cy="360040"/>
+          </a:xfrm>
+          <a:prstGeom prst="ellipse">
+            <a:avLst/>
+          </a:prstGeom>
+          <a:solidFill>
+            <a:schemeClr val="bg1"/>
+          </a:solidFill>
+        </p:spPr>
+        <p:style>
+          <a:lnRef idx="2">
+            <a:schemeClr val="accent1">
+              <a:shade val="50000"/>
+            </a:schemeClr>
+          </a:lnRef>
+          <a:fillRef idx="1">
+            <a:schemeClr val="accent1"/>
+          </a:fillRef>
+          <a:effectRef idx="0">
+            <a:schemeClr val="accent1"/>
+          </a:effectRef>
+          <a:fontRef idx="minor">
+            <a:schemeClr val="lt1"/>
+          </a:fontRef>
+        </p:style>
+        <p:txBody>
+          <a:bodyPr rtlCol="0" anchor="ctr"/>
+          <a:lstStyle/>
+          <a:p>
+            <a:pPr algn="ctr"/>
+            <a:r>
+              <a:rPr lang="en-US" b="1" dirty="0" smtClean="0">
+                <a:solidFill>
+                  <a:schemeClr val="tx1"/>
+                </a:solidFill>
+              </a:rPr>
+              <a:t>2</a:t>
+            </a:r>
+            <a:endParaRPr lang="ru-RU" b="1" dirty="0">
+              <a:solidFill>
+                <a:schemeClr val="tx1"/>
+              </a:solidFill>
+            </a:endParaRPr>
           </a:p>
         </p:txBody>
       </p:sp>
@@ -5867,7 +6268,15 @@
           <a:p>
             <a:r>
               <a:rPr lang="ru-RU" sz="3200" dirty="0" smtClean="0"/>
-              <a:t>Результаты 3. Словосочетания</a:t>
+              <a:t>Словосочетания</a:t>
+            </a:r>
+            <a:r>
+              <a:rPr lang="en-US" sz="3200" dirty="0" smtClean="0"/>
+              <a:t> </a:t>
+            </a:r>
+            <a:r>
+              <a:rPr lang="ru-RU" sz="3200" dirty="0" smtClean="0"/>
+              <a:t>с предлогами</a:t>
             </a:r>
             <a:endParaRPr lang="ru-RU" sz="3200" dirty="0"/>
           </a:p>
@@ -6006,6 +6415,61 @@
               <a:rPr lang="ru-RU" dirty="0"/>
               <a:t>данных</a:t>
             </a:r>
+          </a:p>
+        </p:txBody>
+      </p:sp>
+      <p:sp>
+        <p:nvSpPr>
+          <p:cNvPr id="8" name="Овал 7"/>
+          <p:cNvSpPr/>
+          <p:nvPr/>
+        </p:nvSpPr>
+        <p:spPr>
+          <a:xfrm>
+            <a:off x="395536" y="836712"/>
+            <a:ext cx="360040" cy="360040"/>
+          </a:xfrm>
+          <a:prstGeom prst="ellipse">
+            <a:avLst/>
+          </a:prstGeom>
+          <a:solidFill>
+            <a:schemeClr val="bg1"/>
+          </a:solidFill>
+        </p:spPr>
+        <p:style>
+          <a:lnRef idx="2">
+            <a:schemeClr val="accent1">
+              <a:shade val="50000"/>
+            </a:schemeClr>
+          </a:lnRef>
+          <a:fillRef idx="1">
+            <a:schemeClr val="accent1"/>
+          </a:fillRef>
+          <a:effectRef idx="0">
+            <a:schemeClr val="accent1"/>
+          </a:effectRef>
+          <a:fontRef idx="minor">
+            <a:schemeClr val="lt1"/>
+          </a:fontRef>
+        </p:style>
+        <p:txBody>
+          <a:bodyPr rtlCol="0" anchor="ctr"/>
+          <a:lstStyle/>
+          <a:p>
+            <a:pPr algn="ctr"/>
+            <a:r>
+              <a:rPr lang="en-US" b="1" dirty="0" smtClean="0">
+                <a:solidFill>
+                  <a:schemeClr val="tx1"/>
+                </a:solidFill>
+              </a:rPr>
+              <a:t>3</a:t>
+            </a:r>
+            <a:endParaRPr lang="ru-RU" b="1" dirty="0">
+              <a:solidFill>
+                <a:schemeClr val="tx1"/>
+              </a:solidFill>
+            </a:endParaRPr>
           </a:p>
         </p:txBody>
       </p:sp>
@@ -6492,14 +6956,20 @@
       </p:pic>
       <p:pic>
         <p:nvPicPr>
-          <p:cNvPr id="16" name="Picture 2" descr="http://www.probasegroup.com/wp-content/uploads/2014/09/learnmore-api.png"/>
+          <p:cNvPr id="6154" name="Picture 10" descr="https://lh3.googleusercontent.com/eqGeefojfDv1LPMVU1QPUfBH3Spo5-Ppsz8CQijmY2uAQZ59a-ZCEm417U8DPibSvPuR8x0bI3Qxv9UXR3Onqeubkle9uqJg-7LcqxTIKrJwfjb64gmud1TgXXCkJ6b5cxlWwYA6lw"/>
           <p:cNvPicPr>
             <a:picLocks noChangeAspect="1" noChangeArrowheads="1"/>
           </p:cNvPicPr>
           <p:nvPr/>
         </p:nvPicPr>
         <p:blipFill>
-          <a:blip r:embed="rId7" cstate="print"/>
+          <a:blip r:embed="rId7">
+            <a:extLst>
+              <a:ext uri="{28A0092B-C50C-407E-A947-70E740481C1C}">
+                <a14:useLocalDpi xmlns:a14="http://schemas.microsoft.com/office/drawing/2010/main" val="0"/>
+              </a:ext>
+            </a:extLst>
+          </a:blip>
           <a:srcRect/>
           <a:stretch>
             <a:fillRect/>
@@ -6507,18 +6977,27 @@
         </p:blipFill>
         <p:spPr bwMode="auto">
           <a:xfrm>
-            <a:off x="5076056" y="1084165"/>
-            <a:ext cx="3240360" cy="1964900"/>
+            <a:off x="5155587" y="3717032"/>
+            <a:ext cx="3232837" cy="2343329"/>
           </a:xfrm>
           <a:prstGeom prst="rect">
             <a:avLst/>
           </a:prstGeom>
           <a:noFill/>
+          <a:extLst>
+            <a:ext uri="{909E8E84-426E-40DD-AFC4-6F175D3DCCD1}">
+              <a14:hiddenFill xmlns:a14="http://schemas.microsoft.com/office/drawing/2010/main">
+                <a:solidFill>
+                  <a:srgbClr val="FFFFFF"/>
+                </a:solidFill>
+              </a14:hiddenFill>
+            </a:ext>
+          </a:extLst>
         </p:spPr>
       </p:pic>
       <p:pic>
         <p:nvPicPr>
-          <p:cNvPr id="6154" name="Picture 10" descr="https://lh3.googleusercontent.com/eqGeefojfDv1LPMVU1QPUfBH3Spo5-Ppsz8CQijmY2uAQZ59a-ZCEm417U8DPibSvPuR8x0bI3Qxv9UXR3Onqeubkle9uqJg-7LcqxTIKrJwfjb64gmud1TgXXCkJ6b5cxlWwYA6lw"/>
+          <p:cNvPr id="6153" name="Picture 9" descr="https://lh4.googleusercontent.com/zd3Bwa1GvOiC-qKUWATytzCMe-M46L59s0DadQ50RxFlm2qOheHvIvlja9HE9mUltzvuQBNF0emx80QGOuqNpVbJfr-kMwabYouFnwdWbPDXUsX9pDDqy0B9FTBg6dTYDgeh_vksVw"/>
           <p:cNvPicPr>
             <a:picLocks noChangeAspect="1" noChangeArrowheads="1"/>
           </p:cNvPicPr>
@@ -6539,8 +7018,8 @@
         </p:blipFill>
         <p:spPr bwMode="auto">
           <a:xfrm>
-            <a:off x="5155587" y="3717032"/>
-            <a:ext cx="3232837" cy="2343329"/>
+            <a:off x="5468747" y="3933056"/>
+            <a:ext cx="3135701" cy="2277171"/>
           </a:xfrm>
           <a:prstGeom prst="rect">
             <a:avLst/>
@@ -6559,14 +7038,14 @@
       </p:pic>
       <p:pic>
         <p:nvPicPr>
-          <p:cNvPr id="6153" name="Picture 9" descr="https://lh4.googleusercontent.com/zd3Bwa1GvOiC-qKUWATytzCMe-M46L59s0DadQ50RxFlm2qOheHvIvlja9HE9mUltzvuQBNF0emx80QGOuqNpVbJfr-kMwabYouFnwdWbPDXUsX9pDDqy0B9FTBg6dTYDgeh_vksVw"/>
+          <p:cNvPr id="20" name="Picture 2" descr="http://iconizer.net/files/DefaultIcon_ver_0.11/orig/arrow-down.png"/>
           <p:cNvPicPr>
             <a:picLocks noChangeAspect="1" noChangeArrowheads="1"/>
           </p:cNvPicPr>
           <p:nvPr/>
         </p:nvPicPr>
         <p:blipFill>
-          <a:blip r:embed="rId9">
+          <a:blip r:embed="rId9" cstate="print">
             <a:extLst>
               <a:ext uri="{28A0092B-C50C-407E-A947-70E740481C1C}">
                 <a14:useLocalDpi xmlns:a14="http://schemas.microsoft.com/office/drawing/2010/main" val="0"/>
@@ -6580,8 +7059,8 @@
         </p:blipFill>
         <p:spPr bwMode="auto">
           <a:xfrm>
-            <a:off x="5468747" y="3933056"/>
-            <a:ext cx="3135701" cy="2277171"/>
+            <a:off x="6444208" y="2886408"/>
+            <a:ext cx="614600" cy="614600"/>
           </a:xfrm>
           <a:prstGeom prst="rect">
             <a:avLst/>
@@ -6600,14 +7079,14 @@
       </p:pic>
       <p:pic>
         <p:nvPicPr>
-          <p:cNvPr id="20" name="Picture 2" descr="http://iconizer.net/files/DefaultIcon_ver_0.11/orig/arrow-down.png"/>
+          <p:cNvPr id="3074" name="Picture 2" descr="http://www.sph.as/email-images/API.png"/>
           <p:cNvPicPr>
             <a:picLocks noChangeAspect="1" noChangeArrowheads="1"/>
           </p:cNvPicPr>
           <p:nvPr/>
         </p:nvPicPr>
         <p:blipFill>
-          <a:blip r:embed="rId10" cstate="print">
+          <a:blip r:embed="rId10">
             <a:extLst>
               <a:ext uri="{28A0092B-C50C-407E-A947-70E740481C1C}">
                 <a14:useLocalDpi xmlns:a14="http://schemas.microsoft.com/office/drawing/2010/main" val="0"/>
@@ -6621,8 +7100,8 @@
         </p:blipFill>
         <p:spPr bwMode="auto">
           <a:xfrm>
-            <a:off x="6444208" y="2886408"/>
-            <a:ext cx="614600" cy="614600"/>
+            <a:off x="5730384" y="980728"/>
+            <a:ext cx="2153984" cy="1828445"/>
           </a:xfrm>
           <a:prstGeom prst="rect">
             <a:avLst/>
@@ -7220,6 +7699,189 @@
           </a:p>
         </p:txBody>
       </p:sp>
+      <p:pic>
+        <p:nvPicPr>
+          <p:cNvPr id="1026" name="Picture 2"/>
+          <p:cNvPicPr>
+            <a:picLocks noChangeAspect="1" noChangeArrowheads="1"/>
+          </p:cNvPicPr>
+          <p:nvPr/>
+        </p:nvPicPr>
+        <p:blipFill>
+          <a:blip r:embed="rId2">
+            <a:extLst>
+              <a:ext uri="{28A0092B-C50C-407E-A947-70E740481C1C}">
+                <a14:useLocalDpi xmlns:a14="http://schemas.microsoft.com/office/drawing/2010/main" val="0"/>
+              </a:ext>
+            </a:extLst>
+          </a:blip>
+          <a:srcRect/>
+          <a:stretch>
+            <a:fillRect/>
+          </a:stretch>
+        </p:blipFill>
+        <p:spPr bwMode="auto">
+          <a:xfrm>
+            <a:off x="784193" y="863327"/>
+            <a:ext cx="3427767" cy="5590009"/>
+          </a:xfrm>
+          <a:prstGeom prst="rect">
+            <a:avLst/>
+          </a:prstGeom>
+          <a:noFill/>
+          <a:ln>
+            <a:noFill/>
+          </a:ln>
+          <a:effectLst/>
+          <a:extLst>
+            <a:ext uri="{909E8E84-426E-40DD-AFC4-6F175D3DCCD1}">
+              <a14:hiddenFill xmlns:a14="http://schemas.microsoft.com/office/drawing/2010/main">
+                <a:solidFill>
+                  <a:schemeClr val="accent1"/>
+                </a:solidFill>
+              </a14:hiddenFill>
+            </a:ext>
+            <a:ext uri="{91240B29-F687-4F45-9708-019B960494DF}">
+              <a14:hiddenLine xmlns:a14="http://schemas.microsoft.com/office/drawing/2010/main" w="9525">
+                <a:solidFill>
+                  <a:schemeClr val="tx1"/>
+                </a:solidFill>
+                <a:miter lim="800000"/>
+                <a:headEnd/>
+                <a:tailEnd/>
+              </a14:hiddenLine>
+            </a:ext>
+            <a:ext uri="{AF507438-7753-43E0-B8FC-AC1667EBCBE1}">
+              <a14:hiddenEffects xmlns:a14="http://schemas.microsoft.com/office/drawing/2010/main">
+                <a:effectLst>
+                  <a:outerShdw dist="35921" dir="2700000" algn="ctr" rotWithShape="0">
+                    <a:schemeClr val="bg2"/>
+                  </a:outerShdw>
+                </a:effectLst>
+              </a14:hiddenEffects>
+            </a:ext>
+          </a:extLst>
+        </p:spPr>
+      </p:pic>
+      <p:sp>
+        <p:nvSpPr>
+          <p:cNvPr id="8" name="Овал 7"/>
+          <p:cNvSpPr/>
+          <p:nvPr/>
+        </p:nvSpPr>
+        <p:spPr>
+          <a:xfrm>
+            <a:off x="323528" y="836712"/>
+            <a:ext cx="360040" cy="360040"/>
+          </a:xfrm>
+          <a:prstGeom prst="ellipse">
+            <a:avLst/>
+          </a:prstGeom>
+          <a:solidFill>
+            <a:schemeClr val="bg1"/>
+          </a:solidFill>
+        </p:spPr>
+        <p:style>
+          <a:lnRef idx="2">
+            <a:schemeClr val="accent1">
+              <a:shade val="50000"/>
+            </a:schemeClr>
+          </a:lnRef>
+          <a:fillRef idx="1">
+            <a:schemeClr val="accent1"/>
+          </a:fillRef>
+          <a:effectRef idx="0">
+            <a:schemeClr val="accent1"/>
+          </a:effectRef>
+          <a:fontRef idx="minor">
+            <a:schemeClr val="lt1"/>
+          </a:fontRef>
+        </p:style>
+        <p:txBody>
+          <a:bodyPr rtlCol="0" anchor="ctr"/>
+          <a:lstStyle/>
+          <a:p>
+            <a:pPr algn="ctr"/>
+            <a:r>
+              <a:rPr lang="en-US" b="1" dirty="0" smtClean="0">
+                <a:solidFill>
+                  <a:schemeClr val="tx1"/>
+                </a:solidFill>
+              </a:rPr>
+              <a:t>1</a:t>
+            </a:r>
+            <a:endParaRPr lang="ru-RU" b="1" dirty="0">
+              <a:solidFill>
+                <a:schemeClr val="tx1"/>
+              </a:solidFill>
+            </a:endParaRPr>
+          </a:p>
+        </p:txBody>
+      </p:sp>
+      <p:pic>
+        <p:nvPicPr>
+          <p:cNvPr id="1029" name="Picture 5"/>
+          <p:cNvPicPr>
+            <a:picLocks noChangeAspect="1" noChangeArrowheads="1"/>
+          </p:cNvPicPr>
+          <p:nvPr/>
+        </p:nvPicPr>
+        <p:blipFill>
+          <a:blip r:embed="rId3">
+            <a:extLst>
+              <a:ext uri="{28A0092B-C50C-407E-A947-70E740481C1C}">
+                <a14:useLocalDpi xmlns:a14="http://schemas.microsoft.com/office/drawing/2010/main" val="0"/>
+              </a:ext>
+            </a:extLst>
+          </a:blip>
+          <a:srcRect/>
+          <a:stretch>
+            <a:fillRect/>
+          </a:stretch>
+        </p:blipFill>
+        <p:spPr bwMode="auto">
+          <a:xfrm>
+            <a:off x="4499992" y="836712"/>
+            <a:ext cx="3892318" cy="5407795"/>
+          </a:xfrm>
+          <a:prstGeom prst="rect">
+            <a:avLst/>
+          </a:prstGeom>
+          <a:noFill/>
+          <a:ln>
+            <a:noFill/>
+          </a:ln>
+          <a:effectLst/>
+          <a:extLst>
+            <a:ext uri="{909E8E84-426E-40DD-AFC4-6F175D3DCCD1}">
+              <a14:hiddenFill xmlns:a14="http://schemas.microsoft.com/office/drawing/2010/main">
+                <a:solidFill>
+                  <a:schemeClr val="accent1"/>
+                </a:solidFill>
+              </a14:hiddenFill>
+            </a:ext>
+            <a:ext uri="{91240B29-F687-4F45-9708-019B960494DF}">
+              <a14:hiddenLine xmlns:a14="http://schemas.microsoft.com/office/drawing/2010/main" w="9525">
+                <a:solidFill>
+                  <a:schemeClr val="tx1"/>
+                </a:solidFill>
+                <a:miter lim="800000"/>
+                <a:headEnd/>
+                <a:tailEnd/>
+              </a14:hiddenLine>
+            </a:ext>
+            <a:ext uri="{AF507438-7753-43E0-B8FC-AC1667EBCBE1}">
+              <a14:hiddenEffects xmlns:a14="http://schemas.microsoft.com/office/drawing/2010/main">
+                <a:effectLst>
+                  <a:outerShdw dist="35921" dir="2700000" algn="ctr" rotWithShape="0">
+                    <a:schemeClr val="bg2"/>
+                  </a:outerShdw>
+                </a:effectLst>
+              </a14:hiddenEffects>
+            </a:ext>
+          </a:extLst>
+        </p:spPr>
+      </p:pic>
     </p:spTree>
   </p:cSld>
   <p:clrMapOvr>
